--- a/presentation.pptx
+++ b/presentation.pptx
@@ -4458,7 +4458,7 @@
         </p:blipFill>
         <p:spPr>
           <a:xfrm>
-            <a:off x="838201" y="3494231"/>
+            <a:off x="500576" y="3494229"/>
             <a:ext cx="2819400" cy="2682732"/>
           </a:xfrm>
           <a:prstGeom prst="rect">
@@ -4488,7 +4488,7 @@
         </p:blipFill>
         <p:spPr>
           <a:xfrm>
-            <a:off x="7186334" y="3494228"/>
+            <a:off x="7404132" y="3494228"/>
             <a:ext cx="4123763" cy="2682733"/>
           </a:xfrm>
           <a:prstGeom prst="rect">
@@ -4518,8 +4518,8 @@
         </p:blipFill>
         <p:spPr>
           <a:xfrm>
-            <a:off x="4274205" y="4069253"/>
-            <a:ext cx="2295525" cy="2107709"/>
+            <a:off x="3901159" y="3494228"/>
+            <a:ext cx="2921790" cy="2682734"/>
           </a:xfrm>
           <a:prstGeom prst="rect">
             <a:avLst/>
@@ -4998,37 +4998,6 @@
       </p:sp>
       <p:sp>
         <p:nvSpPr>
-          <p:cNvPr id="4" name="Text Placeholder 3">
-            <a:extLst>
-              <a:ext uri="{FF2B5EF4-FFF2-40B4-BE49-F238E27FC236}">
-                <a16:creationId xmlns:a16="http://schemas.microsoft.com/office/drawing/2014/main" id="{E9FB7EBD-58C3-42E8-867B-0E12288B4209}"/>
-              </a:ext>
-            </a:extLst>
-          </p:cNvPr>
-          <p:cNvSpPr>
-            <a:spLocks noGrp="1"/>
-          </p:cNvSpPr>
-          <p:nvPr>
-            <p:ph type="body" idx="1"/>
-          </p:nvPr>
-        </p:nvSpPr>
-        <p:spPr/>
-        <p:txBody>
-          <a:bodyPr/>
-          <a:lstStyle/>
-          <a:p>
-            <a:r>
-              <a:rPr lang="de-DE" u="sng" dirty="0">
-                <a:latin typeface="Gill Sans MT" panose="020B0502020104020203" pitchFamily="34" charset="0"/>
-              </a:rPr>
-              <a:t>Advantages User</a:t>
-            </a:r>
-            <a:endParaRPr lang="en-GB" u="sng" dirty="0"/>
-          </a:p>
-        </p:txBody>
-      </p:sp>
-      <p:sp>
-        <p:nvSpPr>
           <p:cNvPr id="5" name="Content Placeholder 4">
             <a:extLst>
               <a:ext uri="{FF2B5EF4-FFF2-40B4-BE49-F238E27FC236}">
@@ -5043,7 +5012,12 @@
             <p:ph sz="half" idx="2"/>
           </p:nvPr>
         </p:nvSpPr>
-        <p:spPr/>
+        <p:spPr>
+          <a:xfrm>
+            <a:off x="839788" y="1652588"/>
+            <a:ext cx="9485898" cy="4537075"/>
+          </a:xfrm>
+        </p:spPr>
         <p:txBody>
           <a:bodyPr>
             <a:normAutofit/>
@@ -5056,12 +5030,12 @@
               </a:lnSpc>
             </a:pPr>
             <a:r>
-              <a:rPr lang="de-DE" sz="2400" dirty="0" err="1">
+              <a:rPr lang="de-DE" sz="3200" dirty="0" err="1">
                 <a:latin typeface="Gill Sans MT" panose="020B0502020104020203" pitchFamily="34" charset="0"/>
               </a:rPr>
               <a:t>Sustainable</a:t>
             </a:r>
-            <a:endParaRPr lang="de-DE" sz="2000" dirty="0">
+            <a:endParaRPr lang="de-DE" sz="3200" dirty="0">
               <a:latin typeface="Gill Sans MT" panose="020B0502020104020203" pitchFamily="34" charset="0"/>
             </a:endParaRPr>
           </a:p>
@@ -5072,36 +5046,36 @@
               </a:lnSpc>
             </a:pPr>
             <a:r>
-              <a:rPr lang="de-DE" sz="2400" dirty="0" err="1">
+              <a:rPr lang="de-DE" sz="3200" dirty="0" err="1">
                 <a:latin typeface="Gill Sans MT" panose="020B0502020104020203" pitchFamily="34" charset="0"/>
               </a:rPr>
               <a:t>Customized</a:t>
             </a:r>
             <a:r>
-              <a:rPr lang="de-DE" sz="2400" dirty="0">
+              <a:rPr lang="de-DE" sz="3200" dirty="0">
                 <a:latin typeface="Gill Sans MT" panose="020B0502020104020203" pitchFamily="34" charset="0"/>
               </a:rPr>
               <a:t> </a:t>
             </a:r>
             <a:r>
-              <a:rPr lang="de-DE" sz="2400" dirty="0" err="1">
+              <a:rPr lang="de-DE" sz="3200" dirty="0" err="1">
                 <a:latin typeface="Gill Sans MT" panose="020B0502020104020203" pitchFamily="34" charset="0"/>
               </a:rPr>
               <a:t>car</a:t>
             </a:r>
             <a:r>
-              <a:rPr lang="de-DE" sz="2400" dirty="0">
+              <a:rPr lang="de-DE" sz="3200" dirty="0">
                 <a:latin typeface="Gill Sans MT" panose="020B0502020104020203" pitchFamily="34" charset="0"/>
               </a:rPr>
               <a:t> </a:t>
             </a:r>
             <a:r>
-              <a:rPr lang="de-DE" sz="2400" dirty="0" err="1">
+              <a:rPr lang="de-DE" sz="3200" dirty="0" err="1">
                 <a:latin typeface="Gill Sans MT" panose="020B0502020104020203" pitchFamily="34" charset="0"/>
               </a:rPr>
               <a:t>experience</a:t>
             </a:r>
-            <a:endParaRPr lang="de-DE" sz="2400" dirty="0">
+            <a:endParaRPr lang="de-DE" sz="3200" dirty="0">
               <a:latin typeface="Gill Sans MT" panose="020B0502020104020203" pitchFamily="34" charset="0"/>
             </a:endParaRPr>
           </a:p>
@@ -5112,24 +5086,24 @@
               </a:lnSpc>
             </a:pPr>
             <a:r>
-              <a:rPr lang="de-DE" sz="2400" dirty="0" err="1">
+              <a:rPr lang="de-DE" sz="3200" dirty="0" err="1">
                 <a:latin typeface="Gill Sans MT" panose="020B0502020104020203" pitchFamily="34" charset="0"/>
               </a:rPr>
               <a:t>Lower</a:t>
             </a:r>
             <a:r>
-              <a:rPr lang="de-DE" sz="2400" dirty="0">
+              <a:rPr lang="de-DE" sz="3200" dirty="0">
                 <a:latin typeface="Gill Sans MT" panose="020B0502020104020203" pitchFamily="34" charset="0"/>
               </a:rPr>
               <a:t> </a:t>
             </a:r>
             <a:r>
-              <a:rPr lang="de-DE" sz="2400" dirty="0" err="1">
-                <a:latin typeface="Gill Sans MT" panose="020B0502020104020203" pitchFamily="34" charset="0"/>
-              </a:rPr>
-              <a:t>Costs</a:t>
-            </a:r>
-            <a:endParaRPr lang="de-DE" sz="2400" dirty="0">
+              <a:rPr lang="de-DE" sz="3200" dirty="0" err="1">
+                <a:latin typeface="Gill Sans MT" panose="020B0502020104020203" pitchFamily="34" charset="0"/>
+              </a:rPr>
+              <a:t>costs</a:t>
+            </a:r>
+            <a:endParaRPr lang="de-DE" sz="3200" dirty="0">
               <a:latin typeface="Gill Sans MT" panose="020B0502020104020203" pitchFamily="34" charset="0"/>
             </a:endParaRPr>
           </a:p>
@@ -5140,100 +5114,33 @@
               </a:lnSpc>
             </a:pPr>
             <a:r>
-              <a:rPr lang="de-DE" sz="2400" dirty="0">
+              <a:rPr lang="de-DE" sz="3200" dirty="0">
                 <a:latin typeface="Gill Sans MT" panose="020B0502020104020203" pitchFamily="34" charset="0"/>
               </a:rPr>
               <a:t>A </a:t>
             </a:r>
             <a:r>
-              <a:rPr lang="de-DE" sz="2400" dirty="0" err="1">
+              <a:rPr lang="de-DE" sz="3200" dirty="0" err="1">
                 <a:latin typeface="Gill Sans MT" panose="020B0502020104020203" pitchFamily="34" charset="0"/>
               </a:rPr>
               <a:t>connected</a:t>
             </a:r>
             <a:r>
-              <a:rPr lang="de-DE" sz="2400" dirty="0">
+              <a:rPr lang="de-DE" sz="3200" dirty="0">
                 <a:latin typeface="Gill Sans MT" panose="020B0502020104020203" pitchFamily="34" charset="0"/>
               </a:rPr>
               <a:t> </a:t>
             </a:r>
             <a:r>
-              <a:rPr lang="de-DE" sz="2400" dirty="0" err="1">
+              <a:rPr lang="de-DE" sz="3200" dirty="0" err="1">
                 <a:latin typeface="Gill Sans MT" panose="020B0502020104020203" pitchFamily="34" charset="0"/>
               </a:rPr>
               <a:t>car</a:t>
             </a:r>
-            <a:endParaRPr lang="en-GB" sz="2400" dirty="0">
+            <a:endParaRPr lang="en-GB" sz="3200" dirty="0">
               <a:latin typeface="Gill Sans MT" panose="020B0502020104020203" pitchFamily="34" charset="0"/>
             </a:endParaRPr>
           </a:p>
-        </p:txBody>
-      </p:sp>
-      <p:sp>
-        <p:nvSpPr>
-          <p:cNvPr id="6" name="Text Placeholder 5">
-            <a:extLst>
-              <a:ext uri="{FF2B5EF4-FFF2-40B4-BE49-F238E27FC236}">
-                <a16:creationId xmlns:a16="http://schemas.microsoft.com/office/drawing/2014/main" id="{B684E87C-34EA-4C39-9B47-BEC6F88BF2CD}"/>
-              </a:ext>
-            </a:extLst>
-          </p:cNvPr>
-          <p:cNvSpPr>
-            <a:spLocks noGrp="1"/>
-          </p:cNvSpPr>
-          <p:nvPr>
-            <p:ph type="body" sz="quarter" idx="3"/>
-          </p:nvPr>
-        </p:nvSpPr>
-        <p:spPr/>
-        <p:txBody>
-          <a:bodyPr/>
-          <a:lstStyle/>
-          <a:p>
-            <a:r>
-              <a:rPr lang="de-DE" u="sng" dirty="0">
-                <a:latin typeface="Gill Sans MT" panose="020B0502020104020203" pitchFamily="34" charset="0"/>
-              </a:rPr>
-              <a:t>Advantages </a:t>
-            </a:r>
-            <a:r>
-              <a:rPr lang="de-DE" u="sng" dirty="0" err="1">
-                <a:latin typeface="Gill Sans MT" panose="020B0502020104020203" pitchFamily="34" charset="0"/>
-              </a:rPr>
-              <a:t>e.Go</a:t>
-            </a:r>
-            <a:r>
-              <a:rPr lang="de-DE" u="sng" dirty="0">
-                <a:latin typeface="Gill Sans MT" panose="020B0502020104020203" pitchFamily="34" charset="0"/>
-              </a:rPr>
-              <a:t> </a:t>
-            </a:r>
-            <a:endParaRPr lang="en-GB" u="sng" dirty="0">
-              <a:latin typeface="Gill Sans MT" panose="020B0502020104020203" pitchFamily="34" charset="0"/>
-            </a:endParaRPr>
-          </a:p>
-        </p:txBody>
-      </p:sp>
-      <p:sp>
-        <p:nvSpPr>
-          <p:cNvPr id="7" name="Content Placeholder 6">
-            <a:extLst>
-              <a:ext uri="{FF2B5EF4-FFF2-40B4-BE49-F238E27FC236}">
-                <a16:creationId xmlns:a16="http://schemas.microsoft.com/office/drawing/2014/main" id="{676DA948-4DAF-4523-B9A9-B35E4DA70150}"/>
-              </a:ext>
-            </a:extLst>
-          </p:cNvPr>
-          <p:cNvSpPr>
-            <a:spLocks noGrp="1"/>
-          </p:cNvSpPr>
-          <p:nvPr>
-            <p:ph sz="quarter" idx="4"/>
-          </p:nvPr>
-        </p:nvSpPr>
-        <p:spPr/>
-        <p:txBody>
-          <a:bodyPr/>
-          <a:lstStyle/>
           <a:p>
             <a:pPr>
               <a:lnSpc>
@@ -5241,40 +5148,32 @@
               </a:lnSpc>
             </a:pPr>
             <a:r>
-              <a:rPr lang="de-DE" sz="2400" dirty="0" err="1">
-                <a:latin typeface="Gill Sans MT" panose="020B0502020104020203" pitchFamily="34" charset="0"/>
-              </a:rPr>
-              <a:t>Sustainable</a:t>
-            </a:r>
-            <a:endParaRPr lang="en-GB" sz="2000" dirty="0">
+              <a:rPr lang="de-DE" sz="3200" dirty="0">
+                <a:latin typeface="Gill Sans MT" panose="020B0502020104020203" pitchFamily="34" charset="0"/>
+              </a:rPr>
+              <a:t>Cross </a:t>
+            </a:r>
+            <a:r>
+              <a:rPr lang="de-DE" sz="3200" dirty="0" err="1">
+                <a:latin typeface="Gill Sans MT" panose="020B0502020104020203" pitchFamily="34" charset="0"/>
+              </a:rPr>
+              <a:t>platform</a:t>
+            </a:r>
+            <a:r>
+              <a:rPr lang="de-DE" sz="3200" dirty="0">
+                <a:latin typeface="Gill Sans MT" panose="020B0502020104020203" pitchFamily="34" charset="0"/>
+              </a:rPr>
+              <a:t> </a:t>
+            </a:r>
+            <a:r>
+              <a:rPr lang="de-DE" sz="3200" dirty="0" err="1">
+                <a:latin typeface="Gill Sans MT" panose="020B0502020104020203" pitchFamily="34" charset="0"/>
+              </a:rPr>
+              <a:t>technology</a:t>
+            </a:r>
+            <a:endParaRPr lang="de-DE" sz="3200" dirty="0">
               <a:latin typeface="Gill Sans MT" panose="020B0502020104020203" pitchFamily="34" charset="0"/>
             </a:endParaRPr>
-          </a:p>
-          <a:p>
-            <a:pPr>
-              <a:lnSpc>
-                <a:spcPct val="100000"/>
-              </a:lnSpc>
-            </a:pPr>
-            <a:r>
-              <a:rPr lang="en-GB" sz="2400" dirty="0">
-                <a:latin typeface="Gill Sans MT" panose="020B0502020104020203" pitchFamily="34" charset="0"/>
-              </a:rPr>
-              <a:t>Lower expense</a:t>
-            </a:r>
-          </a:p>
-          <a:p>
-            <a:pPr>
-              <a:lnSpc>
-                <a:spcPct val="100000"/>
-              </a:lnSpc>
-            </a:pPr>
-            <a:r>
-              <a:rPr lang="en-GB" sz="2400" dirty="0">
-                <a:latin typeface="Gill Sans MT" panose="020B0502020104020203" pitchFamily="34" charset="0"/>
-              </a:rPr>
-              <a:t>An innovative solution</a:t>
-            </a:r>
           </a:p>
         </p:txBody>
       </p:sp>
@@ -5291,477 +5190,6 @@
   <p:transition spd="slow">
     <p:push dir="u"/>
   </p:transition>
-  <p:timing>
-    <p:tnLst>
-      <p:par>
-        <p:cTn id="1" dur="indefinite" restart="never" nodeType="tmRoot">
-          <p:childTnLst>
-            <p:seq concurrent="1" nextAc="seek">
-              <p:cTn id="2" dur="indefinite" nodeType="mainSeq">
-                <p:childTnLst>
-                  <p:par>
-                    <p:cTn id="3" fill="hold">
-                      <p:stCondLst>
-                        <p:cond delay="indefinite"/>
-                      </p:stCondLst>
-                      <p:childTnLst>
-                        <p:par>
-                          <p:cTn id="4" fill="hold">
-                            <p:stCondLst>
-                              <p:cond delay="0"/>
-                            </p:stCondLst>
-                            <p:childTnLst>
-                              <p:par>
-                                <p:cTn id="5" presetID="1" presetClass="entr" presetSubtype="0" fill="hold" nodeType="clickEffect">
-                                  <p:stCondLst>
-                                    <p:cond delay="0"/>
-                                  </p:stCondLst>
-                                  <p:childTnLst>
-                                    <p:set>
-                                      <p:cBhvr>
-                                        <p:cTn id="6" dur="1" fill="hold">
-                                          <p:stCondLst>
-                                            <p:cond delay="0"/>
-                                          </p:stCondLst>
-                                        </p:cTn>
-                                        <p:tgtEl>
-                                          <p:spTgt spid="4">
-                                            <p:txEl>
-                                              <p:pRg st="0" end="0"/>
-                                            </p:txEl>
-                                          </p:spTgt>
-                                        </p:tgtEl>
-                                        <p:attrNameLst>
-                                          <p:attrName>style.visibility</p:attrName>
-                                        </p:attrNameLst>
-                                      </p:cBhvr>
-                                      <p:to>
-                                        <p:strVal val="visible"/>
-                                      </p:to>
-                                    </p:set>
-                                  </p:childTnLst>
-                                </p:cTn>
-                              </p:par>
-                            </p:childTnLst>
-                          </p:cTn>
-                        </p:par>
-                      </p:childTnLst>
-                    </p:cTn>
-                  </p:par>
-                  <p:par>
-                    <p:cTn id="7" fill="hold">
-                      <p:stCondLst>
-                        <p:cond delay="indefinite"/>
-                      </p:stCondLst>
-                      <p:childTnLst>
-                        <p:par>
-                          <p:cTn id="8" fill="hold">
-                            <p:stCondLst>
-                              <p:cond delay="0"/>
-                            </p:stCondLst>
-                            <p:childTnLst>
-                              <p:par>
-                                <p:cTn id="9" presetID="1" presetClass="entr" presetSubtype="0" fill="hold" nodeType="clickEffect">
-                                  <p:stCondLst>
-                                    <p:cond delay="0"/>
-                                  </p:stCondLst>
-                                  <p:childTnLst>
-                                    <p:set>
-                                      <p:cBhvr>
-                                        <p:cTn id="10" dur="1" fill="hold">
-                                          <p:stCondLst>
-                                            <p:cond delay="0"/>
-                                          </p:stCondLst>
-                                        </p:cTn>
-                                        <p:tgtEl>
-                                          <p:spTgt spid="5">
-                                            <p:txEl>
-                                              <p:pRg st="0" end="0"/>
-                                            </p:txEl>
-                                          </p:spTgt>
-                                        </p:tgtEl>
-                                        <p:attrNameLst>
-                                          <p:attrName>style.visibility</p:attrName>
-                                        </p:attrNameLst>
-                                      </p:cBhvr>
-                                      <p:to>
-                                        <p:strVal val="visible"/>
-                                      </p:to>
-                                    </p:set>
-                                  </p:childTnLst>
-                                </p:cTn>
-                              </p:par>
-                            </p:childTnLst>
-                          </p:cTn>
-                        </p:par>
-                      </p:childTnLst>
-                    </p:cTn>
-                  </p:par>
-                  <p:par>
-                    <p:cTn id="11" fill="hold">
-                      <p:stCondLst>
-                        <p:cond delay="indefinite"/>
-                      </p:stCondLst>
-                      <p:childTnLst>
-                        <p:par>
-                          <p:cTn id="12" fill="hold">
-                            <p:stCondLst>
-                              <p:cond delay="0"/>
-                            </p:stCondLst>
-                            <p:childTnLst>
-                              <p:par>
-                                <p:cTn id="13" presetID="1" presetClass="entr" presetSubtype="0" fill="hold" nodeType="clickEffect">
-                                  <p:stCondLst>
-                                    <p:cond delay="0"/>
-                                  </p:stCondLst>
-                                  <p:childTnLst>
-                                    <p:set>
-                                      <p:cBhvr>
-                                        <p:cTn id="14" dur="1" fill="hold">
-                                          <p:stCondLst>
-                                            <p:cond delay="0"/>
-                                          </p:stCondLst>
-                                        </p:cTn>
-                                        <p:tgtEl>
-                                          <p:spTgt spid="5">
-                                            <p:txEl>
-                                              <p:pRg st="1" end="1"/>
-                                            </p:txEl>
-                                          </p:spTgt>
-                                        </p:tgtEl>
-                                        <p:attrNameLst>
-                                          <p:attrName>style.visibility</p:attrName>
-                                        </p:attrNameLst>
-                                      </p:cBhvr>
-                                      <p:to>
-                                        <p:strVal val="visible"/>
-                                      </p:to>
-                                    </p:set>
-                                  </p:childTnLst>
-                                </p:cTn>
-                              </p:par>
-                            </p:childTnLst>
-                          </p:cTn>
-                        </p:par>
-                      </p:childTnLst>
-                    </p:cTn>
-                  </p:par>
-                  <p:par>
-                    <p:cTn id="15" fill="hold">
-                      <p:stCondLst>
-                        <p:cond delay="indefinite"/>
-                      </p:stCondLst>
-                      <p:childTnLst>
-                        <p:par>
-                          <p:cTn id="16" fill="hold">
-                            <p:stCondLst>
-                              <p:cond delay="0"/>
-                            </p:stCondLst>
-                            <p:childTnLst>
-                              <p:par>
-                                <p:cTn id="17" presetID="1" presetClass="entr" presetSubtype="0" fill="hold" nodeType="clickEffect">
-                                  <p:stCondLst>
-                                    <p:cond delay="0"/>
-                                  </p:stCondLst>
-                                  <p:childTnLst>
-                                    <p:set>
-                                      <p:cBhvr>
-                                        <p:cTn id="18" dur="1" fill="hold">
-                                          <p:stCondLst>
-                                            <p:cond delay="0"/>
-                                          </p:stCondLst>
-                                        </p:cTn>
-                                        <p:tgtEl>
-                                          <p:spTgt spid="5">
-                                            <p:txEl>
-                                              <p:pRg st="2" end="2"/>
-                                            </p:txEl>
-                                          </p:spTgt>
-                                        </p:tgtEl>
-                                        <p:attrNameLst>
-                                          <p:attrName>style.visibility</p:attrName>
-                                        </p:attrNameLst>
-                                      </p:cBhvr>
-                                      <p:to>
-                                        <p:strVal val="visible"/>
-                                      </p:to>
-                                    </p:set>
-                                  </p:childTnLst>
-                                </p:cTn>
-                              </p:par>
-                            </p:childTnLst>
-                          </p:cTn>
-                        </p:par>
-                      </p:childTnLst>
-                    </p:cTn>
-                  </p:par>
-                  <p:par>
-                    <p:cTn id="19" fill="hold">
-                      <p:stCondLst>
-                        <p:cond delay="indefinite"/>
-                      </p:stCondLst>
-                      <p:childTnLst>
-                        <p:par>
-                          <p:cTn id="20" fill="hold">
-                            <p:stCondLst>
-                              <p:cond delay="0"/>
-                            </p:stCondLst>
-                            <p:childTnLst>
-                              <p:par>
-                                <p:cTn id="21" presetID="1" presetClass="entr" presetSubtype="0" fill="hold" nodeType="clickEffect">
-                                  <p:stCondLst>
-                                    <p:cond delay="0"/>
-                                  </p:stCondLst>
-                                  <p:childTnLst>
-                                    <p:set>
-                                      <p:cBhvr>
-                                        <p:cTn id="22" dur="1" fill="hold">
-                                          <p:stCondLst>
-                                            <p:cond delay="0"/>
-                                          </p:stCondLst>
-                                        </p:cTn>
-                                        <p:tgtEl>
-                                          <p:spTgt spid="5">
-                                            <p:txEl>
-                                              <p:pRg st="3" end="3"/>
-                                            </p:txEl>
-                                          </p:spTgt>
-                                        </p:tgtEl>
-                                        <p:attrNameLst>
-                                          <p:attrName>style.visibility</p:attrName>
-                                        </p:attrNameLst>
-                                      </p:cBhvr>
-                                      <p:to>
-                                        <p:strVal val="visible"/>
-                                      </p:to>
-                                    </p:set>
-                                  </p:childTnLst>
-                                </p:cTn>
-                              </p:par>
-                            </p:childTnLst>
-                          </p:cTn>
-                        </p:par>
-                      </p:childTnLst>
-                    </p:cTn>
-                  </p:par>
-                  <p:par>
-                    <p:cTn id="23" fill="hold">
-                      <p:stCondLst>
-                        <p:cond delay="indefinite"/>
-                      </p:stCondLst>
-                      <p:childTnLst>
-                        <p:par>
-                          <p:cTn id="24" fill="hold">
-                            <p:stCondLst>
-                              <p:cond delay="0"/>
-                            </p:stCondLst>
-                            <p:childTnLst>
-                              <p:par>
-                                <p:cTn id="25" presetID="1" presetClass="entr" presetSubtype="0" fill="hold" nodeType="clickEffect">
-                                  <p:stCondLst>
-                                    <p:cond delay="0"/>
-                                  </p:stCondLst>
-                                  <p:childTnLst>
-                                    <p:set>
-                                      <p:cBhvr>
-                                        <p:cTn id="26" dur="1" fill="hold">
-                                          <p:stCondLst>
-                                            <p:cond delay="0"/>
-                                          </p:stCondLst>
-                                        </p:cTn>
-                                        <p:tgtEl>
-                                          <p:spTgt spid="6">
-                                            <p:txEl>
-                                              <p:pRg st="0" end="0"/>
-                                            </p:txEl>
-                                          </p:spTgt>
-                                        </p:tgtEl>
-                                        <p:attrNameLst>
-                                          <p:attrName>style.visibility</p:attrName>
-                                        </p:attrNameLst>
-                                      </p:cBhvr>
-                                      <p:to>
-                                        <p:strVal val="visible"/>
-                                      </p:to>
-                                    </p:set>
-                                  </p:childTnLst>
-                                </p:cTn>
-                              </p:par>
-                            </p:childTnLst>
-                          </p:cTn>
-                        </p:par>
-                      </p:childTnLst>
-                    </p:cTn>
-                  </p:par>
-                  <p:par>
-                    <p:cTn id="27" fill="hold">
-                      <p:stCondLst>
-                        <p:cond delay="indefinite"/>
-                      </p:stCondLst>
-                      <p:childTnLst>
-                        <p:par>
-                          <p:cTn id="28" fill="hold">
-                            <p:stCondLst>
-                              <p:cond delay="0"/>
-                            </p:stCondLst>
-                            <p:childTnLst>
-                              <p:par>
-                                <p:cTn id="29" presetID="1" presetClass="entr" presetSubtype="0" fill="hold" nodeType="clickEffect">
-                                  <p:stCondLst>
-                                    <p:cond delay="0"/>
-                                  </p:stCondLst>
-                                  <p:childTnLst>
-                                    <p:set>
-                                      <p:cBhvr>
-                                        <p:cTn id="30" dur="1" fill="hold">
-                                          <p:stCondLst>
-                                            <p:cond delay="0"/>
-                                          </p:stCondLst>
-                                        </p:cTn>
-                                        <p:tgtEl>
-                                          <p:spTgt spid="7">
-                                            <p:txEl>
-                                              <p:pRg st="0" end="0"/>
-                                            </p:txEl>
-                                          </p:spTgt>
-                                        </p:tgtEl>
-                                        <p:attrNameLst>
-                                          <p:attrName>style.visibility</p:attrName>
-                                        </p:attrNameLst>
-                                      </p:cBhvr>
-                                      <p:to>
-                                        <p:strVal val="visible"/>
-                                      </p:to>
-                                    </p:set>
-                                  </p:childTnLst>
-                                </p:cTn>
-                              </p:par>
-                            </p:childTnLst>
-                          </p:cTn>
-                        </p:par>
-                      </p:childTnLst>
-                    </p:cTn>
-                  </p:par>
-                  <p:par>
-                    <p:cTn id="31" fill="hold">
-                      <p:stCondLst>
-                        <p:cond delay="indefinite"/>
-                      </p:stCondLst>
-                      <p:childTnLst>
-                        <p:par>
-                          <p:cTn id="32" fill="hold">
-                            <p:stCondLst>
-                              <p:cond delay="0"/>
-                            </p:stCondLst>
-                            <p:childTnLst>
-                              <p:par>
-                                <p:cTn id="33" presetID="1" presetClass="entr" presetSubtype="0" fill="hold" nodeType="clickEffect">
-                                  <p:stCondLst>
-                                    <p:cond delay="0"/>
-                                  </p:stCondLst>
-                                  <p:childTnLst>
-                                    <p:set>
-                                      <p:cBhvr>
-                                        <p:cTn id="34" dur="1" fill="hold">
-                                          <p:stCondLst>
-                                            <p:cond delay="0"/>
-                                          </p:stCondLst>
-                                        </p:cTn>
-                                        <p:tgtEl>
-                                          <p:spTgt spid="7">
-                                            <p:txEl>
-                                              <p:pRg st="1" end="1"/>
-                                            </p:txEl>
-                                          </p:spTgt>
-                                        </p:tgtEl>
-                                        <p:attrNameLst>
-                                          <p:attrName>style.visibility</p:attrName>
-                                        </p:attrNameLst>
-                                      </p:cBhvr>
-                                      <p:to>
-                                        <p:strVal val="visible"/>
-                                      </p:to>
-                                    </p:set>
-                                  </p:childTnLst>
-                                </p:cTn>
-                              </p:par>
-                            </p:childTnLst>
-                          </p:cTn>
-                        </p:par>
-                      </p:childTnLst>
-                    </p:cTn>
-                  </p:par>
-                  <p:par>
-                    <p:cTn id="35" fill="hold">
-                      <p:stCondLst>
-                        <p:cond delay="indefinite"/>
-                      </p:stCondLst>
-                      <p:childTnLst>
-                        <p:par>
-                          <p:cTn id="36" fill="hold">
-                            <p:stCondLst>
-                              <p:cond delay="0"/>
-                            </p:stCondLst>
-                            <p:childTnLst>
-                              <p:par>
-                                <p:cTn id="37" presetID="1" presetClass="entr" presetSubtype="0" fill="hold" nodeType="clickEffect">
-                                  <p:stCondLst>
-                                    <p:cond delay="0"/>
-                                  </p:stCondLst>
-                                  <p:childTnLst>
-                                    <p:set>
-                                      <p:cBhvr>
-                                        <p:cTn id="38" dur="1" fill="hold">
-                                          <p:stCondLst>
-                                            <p:cond delay="0"/>
-                                          </p:stCondLst>
-                                        </p:cTn>
-                                        <p:tgtEl>
-                                          <p:spTgt spid="7">
-                                            <p:txEl>
-                                              <p:pRg st="2" end="2"/>
-                                            </p:txEl>
-                                          </p:spTgt>
-                                        </p:tgtEl>
-                                        <p:attrNameLst>
-                                          <p:attrName>style.visibility</p:attrName>
-                                        </p:attrNameLst>
-                                      </p:cBhvr>
-                                      <p:to>
-                                        <p:strVal val="visible"/>
-                                      </p:to>
-                                    </p:set>
-                                  </p:childTnLst>
-                                </p:cTn>
-                              </p:par>
-                            </p:childTnLst>
-                          </p:cTn>
-                        </p:par>
-                      </p:childTnLst>
-                    </p:cTn>
-                  </p:par>
-                </p:childTnLst>
-              </p:cTn>
-              <p:prevCondLst>
-                <p:cond evt="onPrev" delay="0">
-                  <p:tgtEl>
-                    <p:sldTgt/>
-                  </p:tgtEl>
-                </p:cond>
-              </p:prevCondLst>
-              <p:nextCondLst>
-                <p:cond evt="onNext" delay="0">
-                  <p:tgtEl>
-                    <p:sldTgt/>
-                  </p:tgtEl>
-                </p:cond>
-              </p:nextCondLst>
-            </p:seq>
-          </p:childTnLst>
-        </p:cTn>
-      </p:par>
-    </p:tnLst>
-  </p:timing>
 </p:sld>
 </file>
 
